--- a/Day-13.pptx
+++ b/Day-13.pptx
@@ -5,23 +5,24 @@
     <p:sldMasterId id="2147483648" r:id="rId1"/>
   </p:sldMasterIdLst>
   <p:notesMasterIdLst>
-    <p:notesMasterId r:id="rId6"/>
+    <p:notesMasterId r:id="rId7"/>
   </p:notesMasterIdLst>
   <p:sldIdLst>
     <p:sldId id="257" r:id="rId2"/>
     <p:sldId id="328" r:id="rId3"/>
     <p:sldId id="329" r:id="rId4"/>
     <p:sldId id="331" r:id="rId5"/>
+    <p:sldId id="335" r:id="rId6"/>
   </p:sldIdLst>
   <p:sldSz cx="18288000" cy="10287000"/>
   <p:notesSz cx="6858000" cy="9144000"/>
   <p:embeddedFontLst>
     <p:embeddedFont>
       <p:font typeface="Calibri" panose="020F0502020204030204" pitchFamily="34" charset="0"/>
-      <p:regular r:id="rId7"/>
-      <p:bold r:id="rId8"/>
-      <p:italic r:id="rId9"/>
-      <p:boldItalic r:id="rId10"/>
+      <p:regular r:id="rId8"/>
+      <p:bold r:id="rId9"/>
+      <p:italic r:id="rId10"/>
+      <p:boldItalic r:id="rId11"/>
     </p:embeddedFont>
   </p:embeddedFontLst>
   <p:defaultTextStyle>
@@ -5394,6 +5395,509 @@
     <p:extLst>
       <p:ext uri="{BB962C8B-B14F-4D97-AF65-F5344CB8AC3E}">
         <p14:creationId xmlns:p14="http://schemas.microsoft.com/office/powerpoint/2010/main" val="265596939"/>
+      </p:ext>
+    </p:extLst>
+  </p:cSld>
+  <p:clrMapOvr>
+    <a:masterClrMapping/>
+  </p:clrMapOvr>
+</p:sld>
+</file>
+
+<file path=ppt/slides/slide5.xml><?xml version="1.0" encoding="utf-8"?>
+<p:sld xmlns:a="http://schemas.openxmlformats.org/drawingml/2006/main" xmlns:r="http://schemas.openxmlformats.org/officeDocument/2006/relationships" xmlns:p="http://schemas.openxmlformats.org/presentationml/2006/main">
+  <p:cSld>
+    <p:spTree>
+      <p:nvGrpSpPr>
+        <p:cNvPr id="1" name=""/>
+        <p:cNvGrpSpPr/>
+        <p:nvPr/>
+      </p:nvGrpSpPr>
+      <p:grpSpPr>
+        <a:xfrm>
+          <a:off x="0" y="0"/>
+          <a:ext cx="0" cy="0"/>
+          <a:chOff x="0" y="0"/>
+          <a:chExt cx="0" cy="0"/>
+        </a:xfrm>
+      </p:grpSpPr>
+      <p:pic>
+        <p:nvPicPr>
+          <p:cNvPr id="2" name="Picture 2"/>
+          <p:cNvPicPr>
+            <a:picLocks noChangeAspect="1"/>
+          </p:cNvPicPr>
+          <p:nvPr/>
+        </p:nvPicPr>
+        <p:blipFill>
+          <a:blip r:embed="rId2">
+            <a:alphaModFix amt="6000"/>
+            <a:extLst>
+              <a:ext uri="{28A0092B-C50C-407E-A947-70E740481C1C}">
+                <a14:useLocalDpi xmlns:a14="http://schemas.microsoft.com/office/drawing/2010/main" val="0"/>
+              </a:ext>
+              <a:ext uri="{96DAC541-7B7A-43D3-8B79-37D633B846F1}">
+                <asvg:svgBlip xmlns:asvg="http://schemas.microsoft.com/office/drawing/2016/SVG/main" r:embed="rId3"/>
+              </a:ext>
+            </a:extLst>
+          </a:blip>
+          <a:srcRect/>
+          <a:stretch>
+            <a:fillRect/>
+          </a:stretch>
+        </p:blipFill>
+        <p:spPr>
+          <a:xfrm flipH="1">
+            <a:off x="-19630" y="0"/>
+            <a:ext cx="2327622" cy="2327622"/>
+          </a:xfrm>
+          <a:prstGeom prst="rect">
+            <a:avLst/>
+          </a:prstGeom>
+        </p:spPr>
+      </p:pic>
+      <p:pic>
+        <p:nvPicPr>
+          <p:cNvPr id="3" name="Picture 3"/>
+          <p:cNvPicPr>
+            <a:picLocks noChangeAspect="1"/>
+          </p:cNvPicPr>
+          <p:nvPr/>
+        </p:nvPicPr>
+        <p:blipFill>
+          <a:blip r:embed="rId2" cstate="print">
+            <a:alphaModFix amt="6000"/>
+            <a:extLst>
+              <a:ext uri="{28A0092B-C50C-407E-A947-70E740481C1C}">
+                <a14:useLocalDpi xmlns:a14="http://schemas.microsoft.com/office/drawing/2010/main" val="0"/>
+              </a:ext>
+              <a:ext uri="{96DAC541-7B7A-43D3-8B79-37D633B846F1}">
+                <asvg:svgBlip xmlns:asvg="http://schemas.microsoft.com/office/drawing/2016/SVG/main" r:embed="rId3"/>
+              </a:ext>
+            </a:extLst>
+          </a:blip>
+          <a:srcRect/>
+          <a:stretch>
+            <a:fillRect/>
+          </a:stretch>
+        </p:blipFill>
+        <p:spPr>
+          <a:xfrm flipH="1">
+            <a:off x="16145912" y="8144912"/>
+            <a:ext cx="2142088" cy="2142088"/>
+          </a:xfrm>
+          <a:prstGeom prst="rect">
+            <a:avLst/>
+          </a:prstGeom>
+        </p:spPr>
+      </p:pic>
+      <p:grpSp>
+        <p:nvGrpSpPr>
+          <p:cNvPr id="4" name="Group 4"/>
+          <p:cNvGrpSpPr/>
+          <p:nvPr/>
+        </p:nvGrpSpPr>
+        <p:grpSpPr>
+          <a:xfrm>
+            <a:off x="17503442" y="0"/>
+            <a:ext cx="784558" cy="1829535"/>
+            <a:chOff x="0" y="0"/>
+            <a:chExt cx="286209" cy="667420"/>
+          </a:xfrm>
+        </p:grpSpPr>
+        <p:sp>
+          <p:nvSpPr>
+            <p:cNvPr id="5" name="Freeform 5"/>
+            <p:cNvSpPr/>
+            <p:nvPr/>
+          </p:nvSpPr>
+          <p:spPr>
+            <a:xfrm>
+              <a:off x="0" y="0"/>
+              <a:ext cx="286209" cy="667419"/>
+            </a:xfrm>
+            <a:custGeom>
+              <a:avLst/>
+              <a:gdLst/>
+              <a:ahLst/>
+              <a:cxnLst/>
+              <a:rect l="l" t="t" r="r" b="b"/>
+              <a:pathLst>
+                <a:path w="286209" h="667419">
+                  <a:moveTo>
+                    <a:pt x="0" y="0"/>
+                  </a:moveTo>
+                  <a:lnTo>
+                    <a:pt x="286209" y="0"/>
+                  </a:lnTo>
+                  <a:lnTo>
+                    <a:pt x="286209" y="667419"/>
+                  </a:lnTo>
+                  <a:lnTo>
+                    <a:pt x="0" y="667419"/>
+                  </a:lnTo>
+                  <a:close/>
+                </a:path>
+              </a:pathLst>
+            </a:custGeom>
+            <a:solidFill>
+              <a:srgbClr val="FF9D8F"/>
+            </a:solidFill>
+          </p:spPr>
+        </p:sp>
+      </p:grpSp>
+      <p:grpSp>
+        <p:nvGrpSpPr>
+          <p:cNvPr id="6" name="Group 6"/>
+          <p:cNvGrpSpPr/>
+          <p:nvPr/>
+        </p:nvGrpSpPr>
+        <p:grpSpPr>
+          <a:xfrm>
+            <a:off x="17503442" y="8909397"/>
+            <a:ext cx="784558" cy="2755206"/>
+            <a:chOff x="0" y="0"/>
+            <a:chExt cx="286209" cy="1005107"/>
+          </a:xfrm>
+        </p:grpSpPr>
+        <p:sp>
+          <p:nvSpPr>
+            <p:cNvPr id="7" name="Freeform 7"/>
+            <p:cNvSpPr/>
+            <p:nvPr/>
+          </p:nvSpPr>
+          <p:spPr>
+            <a:xfrm>
+              <a:off x="0" y="0"/>
+              <a:ext cx="286209" cy="1005107"/>
+            </a:xfrm>
+            <a:custGeom>
+              <a:avLst/>
+              <a:gdLst/>
+              <a:ahLst/>
+              <a:cxnLst/>
+              <a:rect l="l" t="t" r="r" b="b"/>
+              <a:pathLst>
+                <a:path w="286209" h="1005107">
+                  <a:moveTo>
+                    <a:pt x="0" y="0"/>
+                  </a:moveTo>
+                  <a:lnTo>
+                    <a:pt x="286209" y="0"/>
+                  </a:lnTo>
+                  <a:lnTo>
+                    <a:pt x="286209" y="1005107"/>
+                  </a:lnTo>
+                  <a:lnTo>
+                    <a:pt x="0" y="1005107"/>
+                  </a:lnTo>
+                  <a:close/>
+                </a:path>
+              </a:pathLst>
+            </a:custGeom>
+            <a:solidFill>
+              <a:srgbClr val="FFEAEA"/>
+            </a:solidFill>
+          </p:spPr>
+        </p:sp>
+      </p:grpSp>
+      <p:grpSp>
+        <p:nvGrpSpPr>
+          <p:cNvPr id="8" name="Group 8"/>
+          <p:cNvGrpSpPr/>
+          <p:nvPr/>
+        </p:nvGrpSpPr>
+        <p:grpSpPr>
+          <a:xfrm>
+            <a:off x="0" y="8494608"/>
+            <a:ext cx="1795264" cy="1792392"/>
+            <a:chOff x="0" y="0"/>
+            <a:chExt cx="6350000" cy="6339840"/>
+          </a:xfrm>
+        </p:grpSpPr>
+        <p:sp>
+          <p:nvSpPr>
+            <p:cNvPr id="9" name="Freeform 9"/>
+            <p:cNvSpPr/>
+            <p:nvPr/>
+          </p:nvSpPr>
+          <p:spPr>
+            <a:xfrm>
+              <a:off x="0" y="0"/>
+              <a:ext cx="6350000" cy="6339840"/>
+            </a:xfrm>
+            <a:custGeom>
+              <a:avLst/>
+              <a:gdLst/>
+              <a:ahLst/>
+              <a:cxnLst/>
+              <a:rect l="l" t="t" r="r" b="b"/>
+              <a:pathLst>
+                <a:path w="6350000" h="6339840">
+                  <a:moveTo>
+                    <a:pt x="6350000" y="6339840"/>
+                  </a:moveTo>
+                  <a:lnTo>
+                    <a:pt x="0" y="6339840"/>
+                  </a:lnTo>
+                  <a:lnTo>
+                    <a:pt x="0" y="0"/>
+                  </a:lnTo>
+                  <a:lnTo>
+                    <a:pt x="6350000" y="6339840"/>
+                  </a:lnTo>
+                  <a:close/>
+                </a:path>
+              </a:pathLst>
+            </a:custGeom>
+            <a:solidFill>
+              <a:srgbClr val="E6F0FF"/>
+            </a:solidFill>
+          </p:spPr>
+        </p:sp>
+      </p:grpSp>
+      <p:grpSp>
+        <p:nvGrpSpPr>
+          <p:cNvPr id="10" name="Group 10"/>
+          <p:cNvGrpSpPr/>
+          <p:nvPr/>
+        </p:nvGrpSpPr>
+        <p:grpSpPr>
+          <a:xfrm rot="5400000">
+            <a:off x="-21066" y="0"/>
+            <a:ext cx="1795264" cy="1792392"/>
+            <a:chOff x="0" y="0"/>
+            <a:chExt cx="6350000" cy="6339840"/>
+          </a:xfrm>
+        </p:grpSpPr>
+        <p:sp>
+          <p:nvSpPr>
+            <p:cNvPr id="11" name="Freeform 11"/>
+            <p:cNvSpPr/>
+            <p:nvPr/>
+          </p:nvSpPr>
+          <p:spPr>
+            <a:xfrm>
+              <a:off x="0" y="0"/>
+              <a:ext cx="6350000" cy="6339840"/>
+            </a:xfrm>
+            <a:custGeom>
+              <a:avLst/>
+              <a:gdLst/>
+              <a:ahLst/>
+              <a:cxnLst/>
+              <a:rect l="l" t="t" r="r" b="b"/>
+              <a:pathLst>
+                <a:path w="6350000" h="6339840">
+                  <a:moveTo>
+                    <a:pt x="6350000" y="6339840"/>
+                  </a:moveTo>
+                  <a:lnTo>
+                    <a:pt x="0" y="6339840"/>
+                  </a:lnTo>
+                  <a:lnTo>
+                    <a:pt x="0" y="0"/>
+                  </a:lnTo>
+                  <a:lnTo>
+                    <a:pt x="6350000" y="6339840"/>
+                  </a:lnTo>
+                  <a:close/>
+                </a:path>
+              </a:pathLst>
+            </a:custGeom>
+            <a:solidFill>
+              <a:srgbClr val="E6F0FF"/>
+            </a:solidFill>
+          </p:spPr>
+        </p:sp>
+      </p:grpSp>
+      <p:grpSp>
+        <p:nvGrpSpPr>
+          <p:cNvPr id="12" name="Group 12"/>
+          <p:cNvGrpSpPr/>
+          <p:nvPr/>
+        </p:nvGrpSpPr>
+        <p:grpSpPr>
+          <a:xfrm>
+            <a:off x="1028700" y="1363120"/>
+            <a:ext cx="7734300" cy="538098"/>
+            <a:chOff x="0" y="0"/>
+            <a:chExt cx="1876837" cy="166788"/>
+          </a:xfrm>
+        </p:grpSpPr>
+        <p:sp>
+          <p:nvSpPr>
+            <p:cNvPr id="13" name="Freeform 13"/>
+            <p:cNvSpPr/>
+            <p:nvPr/>
+          </p:nvSpPr>
+          <p:spPr>
+            <a:xfrm>
+              <a:off x="0" y="0"/>
+              <a:ext cx="1876837" cy="166788"/>
+            </a:xfrm>
+            <a:custGeom>
+              <a:avLst/>
+              <a:gdLst/>
+              <a:ahLst/>
+              <a:cxnLst/>
+              <a:rect l="l" t="t" r="r" b="b"/>
+              <a:pathLst>
+                <a:path w="1876837" h="166788">
+                  <a:moveTo>
+                    <a:pt x="0" y="0"/>
+                  </a:moveTo>
+                  <a:lnTo>
+                    <a:pt x="1876837" y="0"/>
+                  </a:lnTo>
+                  <a:lnTo>
+                    <a:pt x="1876837" y="166788"/>
+                  </a:lnTo>
+                  <a:lnTo>
+                    <a:pt x="0" y="166788"/>
+                  </a:lnTo>
+                  <a:close/>
+                </a:path>
+              </a:pathLst>
+            </a:custGeom>
+            <a:solidFill>
+              <a:srgbClr val="FFCFCF"/>
+            </a:solidFill>
+          </p:spPr>
+        </p:sp>
+      </p:grpSp>
+      <p:sp>
+        <p:nvSpPr>
+          <p:cNvPr id="16" name="TextBox 15">
+            <a:extLst>
+              <a:ext uri="{FF2B5EF4-FFF2-40B4-BE49-F238E27FC236}">
+                <a16:creationId xmlns:a16="http://schemas.microsoft.com/office/drawing/2014/main" id="{07F97D94-3FF9-950A-FFE1-A267F491BF58}"/>
+              </a:ext>
+            </a:extLst>
+          </p:cNvPr>
+          <p:cNvSpPr txBox="1"/>
+          <p:nvPr/>
+        </p:nvSpPr>
+        <p:spPr>
+          <a:xfrm>
+            <a:off x="1028700" y="887555"/>
+            <a:ext cx="11391900" cy="738664"/>
+          </a:xfrm>
+          <a:prstGeom prst="rect">
+            <a:avLst/>
+          </a:prstGeom>
+          <a:noFill/>
+        </p:spPr>
+        <p:txBody>
+          <a:bodyPr wrap="square" rtlCol="0">
+            <a:spAutoFit/>
+          </a:bodyPr>
+          <a:lstStyle/>
+          <a:p>
+            <a:r>
+              <a:rPr lang="en-IN" sz="4200" b="1" dirty="0"/>
+              <a:t>Hoisting</a:t>
+            </a:r>
+          </a:p>
+        </p:txBody>
+      </p:sp>
+      <p:sp>
+        <p:nvSpPr>
+          <p:cNvPr id="14" name="TextBox 13">
+            <a:extLst>
+              <a:ext uri="{FF2B5EF4-FFF2-40B4-BE49-F238E27FC236}">
+                <a16:creationId xmlns:a16="http://schemas.microsoft.com/office/drawing/2014/main" id="{45DFEB5C-08DF-22A5-8D7F-DA1CE73510C5}"/>
+              </a:ext>
+            </a:extLst>
+          </p:cNvPr>
+          <p:cNvSpPr txBox="1"/>
+          <p:nvPr/>
+        </p:nvSpPr>
+        <p:spPr>
+          <a:xfrm>
+            <a:off x="912872" y="1893598"/>
+            <a:ext cx="16109927" cy="3330464"/>
+          </a:xfrm>
+          <a:prstGeom prst="rect">
+            <a:avLst/>
+          </a:prstGeom>
+          <a:noFill/>
+        </p:spPr>
+        <p:txBody>
+          <a:bodyPr wrap="square" rtlCol="0">
+            <a:spAutoFit/>
+          </a:bodyPr>
+          <a:lstStyle/>
+          <a:p>
+            <a:pPr marL="514350" indent="-514350">
+              <a:lnSpc>
+                <a:spcPct val="150000"/>
+              </a:lnSpc>
+              <a:buClr>
+                <a:schemeClr val="tx1"/>
+              </a:buClr>
+              <a:buFont typeface="Wingdings" panose="05000000000000000000" pitchFamily="2" charset="2"/>
+              <a:buChar char="§"/>
+            </a:pPr>
+            <a:r>
+              <a:rPr lang="en-IN" sz="3600" dirty="0"/>
+              <a:t>Hoisting is moving declarations to the top of the current scope.</a:t>
+            </a:r>
+          </a:p>
+          <a:p>
+            <a:pPr marL="514350" indent="-514350">
+              <a:lnSpc>
+                <a:spcPct val="150000"/>
+              </a:lnSpc>
+              <a:buClr>
+                <a:schemeClr val="tx1"/>
+              </a:buClr>
+              <a:buFont typeface="Wingdings" panose="05000000000000000000" pitchFamily="2" charset="2"/>
+              <a:buChar char="§"/>
+            </a:pPr>
+            <a:r>
+              <a:rPr lang="en-IN" sz="3600" dirty="0"/>
+              <a:t> In JavaScript, a variable can be declared after it has been used.</a:t>
+            </a:r>
+          </a:p>
+          <a:p>
+            <a:pPr marL="514350" indent="-514350">
+              <a:lnSpc>
+                <a:spcPct val="150000"/>
+              </a:lnSpc>
+              <a:buClr>
+                <a:schemeClr val="tx1"/>
+              </a:buClr>
+              <a:buFont typeface="Wingdings" panose="05000000000000000000" pitchFamily="2" charset="2"/>
+              <a:buChar char="§"/>
+            </a:pPr>
+            <a:r>
+              <a:rPr lang="en-IN" sz="3600" dirty="0"/>
+              <a:t> Only declarations are hoisted at the top not the initialization.</a:t>
+            </a:r>
+          </a:p>
+          <a:p>
+            <a:pPr marL="514350" indent="-514350">
+              <a:lnSpc>
+                <a:spcPct val="150000"/>
+              </a:lnSpc>
+              <a:buClr>
+                <a:schemeClr val="tx1"/>
+              </a:buClr>
+              <a:buFont typeface="Wingdings" panose="05000000000000000000" pitchFamily="2" charset="2"/>
+              <a:buChar char="§"/>
+            </a:pPr>
+            <a:r>
+              <a:rPr lang="en-IN" sz="3600" dirty="0"/>
+              <a:t> It is always a good practice to declare all variables at the beginning of every scope.</a:t>
+            </a:r>
+          </a:p>
+        </p:txBody>
+      </p:sp>
+    </p:spTree>
+    <p:extLst>
+      <p:ext uri="{BB962C8B-B14F-4D97-AF65-F5344CB8AC3E}">
+        <p14:creationId xmlns:p14="http://schemas.microsoft.com/office/powerpoint/2010/main" val="3354240648"/>
       </p:ext>
     </p:extLst>
   </p:cSld>
